--- a/Presentation.pptx
+++ b/Presentation.pptx
@@ -6202,7 +6202,7 @@
             <a:tbl>
               <a:tblPr>
                 <a:noFill/>
-                <a:tableStyleId>{D45C8611-0AC9-4516-A83C-45B21F4DA117}</a:tableStyleId>
+                <a:tableStyleId>{52AB2286-F600-41A3-9ED8-124FC8A1F454}</a:tableStyleId>
               </a:tblPr>
               <a:tblGrid>
                 <a:gridCol w="2276475"/>
@@ -6372,144 +6372,6 @@
                             <a:srgbClr val="24292E"/>
                           </a:solidFill>
                         </a:rPr>
-                        <a:t>Mean distance from the mean</a:t>
-                      </a:r>
-                    </a:p>
-                  </a:txBody>
-                  <a:tcPr marT="57150" marB="57150" marR="123825" marL="123825">
-                    <a:lnL cap="flat" cmpd="sng" w="9525">
-                      <a:solidFill>
-                        <a:srgbClr val="DFE2E5"/>
-                      </a:solidFill>
-                      <a:prstDash val="solid"/>
-                      <a:round/>
-                      <a:headEnd len="med" w="med" type="none"/>
-                      <a:tailEnd len="med" w="med" type="none"/>
-                    </a:lnL>
-                    <a:lnR cap="flat" cmpd="sng" w="9525">
-                      <a:solidFill>
-                        <a:srgbClr val="DFE2E5"/>
-                      </a:solidFill>
-                      <a:prstDash val="solid"/>
-                      <a:round/>
-                      <a:headEnd len="med" w="med" type="none"/>
-                      <a:tailEnd len="med" w="med" type="none"/>
-                    </a:lnR>
-                    <a:lnT cap="flat" cmpd="sng" w="9525">
-                      <a:solidFill>
-                        <a:srgbClr val="DFE2E5"/>
-                      </a:solidFill>
-                      <a:prstDash val="solid"/>
-                      <a:round/>
-                      <a:headEnd len="med" w="med" type="none"/>
-                      <a:tailEnd len="med" w="med" type="none"/>
-                    </a:lnT>
-                    <a:lnB cap="flat" cmpd="sng" w="9525">
-                      <a:solidFill>
-                        <a:srgbClr val="DFE2E5"/>
-                      </a:solidFill>
-                      <a:prstDash val="solid"/>
-                      <a:round/>
-                      <a:headEnd len="med" w="med" type="none"/>
-                      <a:tailEnd len="med" w="med" type="none"/>
-                    </a:lnB>
-                  </a:tcPr>
-                </a:tc>
-                <a:tc>
-                  <a:txBody>
-                    <a:bodyPr>
-                      <a:noAutofit/>
-                    </a:bodyPr>
-                    <a:lstStyle/>
-                    <a:p>
-                      <a:pPr lvl="0" rtl="0">
-                        <a:lnSpc>
-                          <a:spcPct val="115000"/>
-                        </a:lnSpc>
-                        <a:spcBef>
-                          <a:spcPts val="0"/>
-                        </a:spcBef>
-                        <a:spcAft>
-                          <a:spcPts val="1200"/>
-                        </a:spcAft>
-                        <a:buNone/>
-                      </a:pPr>
-                      <a:r>
-                        <a:rPr lang="en" sz="1200">
-                          <a:solidFill>
-                            <a:srgbClr val="24292E"/>
-                          </a:solidFill>
-                        </a:rPr>
-                        <a:t>18.57</a:t>
-                      </a:r>
-                    </a:p>
-                  </a:txBody>
-                  <a:tcPr marT="57150" marB="57150" marR="123825" marL="123825">
-                    <a:lnL cap="flat" cmpd="sng" w="9525">
-                      <a:solidFill>
-                        <a:srgbClr val="DFE2E5"/>
-                      </a:solidFill>
-                      <a:prstDash val="solid"/>
-                      <a:round/>
-                      <a:headEnd len="med" w="med" type="none"/>
-                      <a:tailEnd len="med" w="med" type="none"/>
-                    </a:lnL>
-                    <a:lnR cap="flat" cmpd="sng" w="9525">
-                      <a:solidFill>
-                        <a:srgbClr val="DFE2E5"/>
-                      </a:solidFill>
-                      <a:prstDash val="solid"/>
-                      <a:round/>
-                      <a:headEnd len="med" w="med" type="none"/>
-                      <a:tailEnd len="med" w="med" type="none"/>
-                    </a:lnR>
-                    <a:lnT cap="flat" cmpd="sng" w="9525">
-                      <a:solidFill>
-                        <a:srgbClr val="DFE2E5"/>
-                      </a:solidFill>
-                      <a:prstDash val="solid"/>
-                      <a:round/>
-                      <a:headEnd len="med" w="med" type="none"/>
-                      <a:tailEnd len="med" w="med" type="none"/>
-                    </a:lnT>
-                    <a:lnB cap="flat" cmpd="sng" w="9525">
-                      <a:solidFill>
-                        <a:srgbClr val="DFE2E5"/>
-                      </a:solidFill>
-                      <a:prstDash val="solid"/>
-                      <a:round/>
-                      <a:headEnd len="med" w="med" type="none"/>
-                      <a:tailEnd len="med" w="med" type="none"/>
-                    </a:lnB>
-                  </a:tcPr>
-                </a:tc>
-              </a:tr>
-              <a:tr h="295275">
-                <a:tc>
-                  <a:txBody>
-                    <a:bodyPr>
-                      <a:noAutofit/>
-                    </a:bodyPr>
-                    <a:lstStyle/>
-                    <a:p>
-                      <a:pPr lvl="0" rtl="0">
-                        <a:lnSpc>
-                          <a:spcPct val="115000"/>
-                        </a:lnSpc>
-                        <a:spcBef>
-                          <a:spcPts val="0"/>
-                        </a:spcBef>
-                        <a:spcAft>
-                          <a:spcPts val="1200"/>
-                        </a:spcAft>
-                        <a:buNone/>
-                      </a:pPr>
-                      <a:r>
-                        <a:rPr lang="en" sz="1200">
-                          <a:solidFill>
-                            <a:srgbClr val="24292E"/>
-                          </a:solidFill>
-                        </a:rPr>
                         <a:t>Linear Regression</a:t>
                       </a:r>
                     </a:p>
@@ -6578,7 +6440,7 @@
                             <a:srgbClr val="24292E"/>
                           </a:solidFill>
                         </a:rPr>
-                        <a:t>13.01</a:t>
+                        <a:t>13.00</a:t>
                       </a:r>
                     </a:p>
                   </a:txBody>
@@ -6716,7 +6578,7 @@
                             <a:srgbClr val="24292E"/>
                           </a:solidFill>
                         </a:rPr>
-                        <a:t>12.99</a:t>
+                        <a:t>12.98</a:t>
                       </a:r>
                     </a:p>
                   </a:txBody>
@@ -6854,7 +6716,7 @@
                             <a:srgbClr val="24292E"/>
                           </a:solidFill>
                         </a:rPr>
-                        <a:t>12.99</a:t>
+                        <a:t>12.98</a:t>
                       </a:r>
                     </a:p>
                   </a:txBody>
@@ -6924,7 +6786,7 @@
                             <a:srgbClr val="24292E"/>
                           </a:solidFill>
                         </a:rPr>
-                        <a:t>Lasso Lars</a:t>
+                        <a:t>Lasso</a:t>
                       </a:r>
                     </a:p>
                   </a:txBody>
@@ -6992,7 +6854,145 @@
                             <a:srgbClr val="24292E"/>
                           </a:solidFill>
                         </a:rPr>
-                        <a:t>12.99</a:t>
+                        <a:t>12.98</a:t>
+                      </a:r>
+                    </a:p>
+                  </a:txBody>
+                  <a:tcPr marT="57150" marB="57150" marR="123825" marL="123825">
+                    <a:lnL cap="flat" cmpd="sng" w="9525">
+                      <a:solidFill>
+                        <a:srgbClr val="DFE2E5"/>
+                      </a:solidFill>
+                      <a:prstDash val="solid"/>
+                      <a:round/>
+                      <a:headEnd len="med" w="med" type="none"/>
+                      <a:tailEnd len="med" w="med" type="none"/>
+                    </a:lnL>
+                    <a:lnR cap="flat" cmpd="sng" w="9525">
+                      <a:solidFill>
+                        <a:srgbClr val="DFE2E5"/>
+                      </a:solidFill>
+                      <a:prstDash val="solid"/>
+                      <a:round/>
+                      <a:headEnd len="med" w="med" type="none"/>
+                      <a:tailEnd len="med" w="med" type="none"/>
+                    </a:lnR>
+                    <a:lnT cap="flat" cmpd="sng" w="9525">
+                      <a:solidFill>
+                        <a:srgbClr val="DFE2E5"/>
+                      </a:solidFill>
+                      <a:prstDash val="solid"/>
+                      <a:round/>
+                      <a:headEnd len="med" w="med" type="none"/>
+                      <a:tailEnd len="med" w="med" type="none"/>
+                    </a:lnT>
+                    <a:lnB cap="flat" cmpd="sng" w="9525">
+                      <a:solidFill>
+                        <a:srgbClr val="DFE2E5"/>
+                      </a:solidFill>
+                      <a:prstDash val="solid"/>
+                      <a:round/>
+                      <a:headEnd len="med" w="med" type="none"/>
+                      <a:tailEnd len="med" w="med" type="none"/>
+                    </a:lnB>
+                  </a:tcPr>
+                </a:tc>
+              </a:tr>
+              <a:tr h="295275">
+                <a:tc>
+                  <a:txBody>
+                    <a:bodyPr>
+                      <a:noAutofit/>
+                    </a:bodyPr>
+                    <a:lstStyle/>
+                    <a:p>
+                      <a:pPr lvl="0" rtl="0">
+                        <a:lnSpc>
+                          <a:spcPct val="115000"/>
+                        </a:lnSpc>
+                        <a:spcBef>
+                          <a:spcPts val="0"/>
+                        </a:spcBef>
+                        <a:spcAft>
+                          <a:spcPts val="1200"/>
+                        </a:spcAft>
+                        <a:buNone/>
+                      </a:pPr>
+                      <a:r>
+                        <a:rPr lang="en" sz="1200">
+                          <a:solidFill>
+                            <a:srgbClr val="24292E"/>
+                          </a:solidFill>
+                        </a:rPr>
+                        <a:t>Guessing 0 for all fires</a:t>
+                      </a:r>
+                    </a:p>
+                  </a:txBody>
+                  <a:tcPr marT="57150" marB="57150" marR="123825" marL="123825">
+                    <a:lnL cap="flat" cmpd="sng" w="9525">
+                      <a:solidFill>
+                        <a:srgbClr val="DFE2E5"/>
+                      </a:solidFill>
+                      <a:prstDash val="solid"/>
+                      <a:round/>
+                      <a:headEnd len="med" w="med" type="none"/>
+                      <a:tailEnd len="med" w="med" type="none"/>
+                    </a:lnL>
+                    <a:lnR cap="flat" cmpd="sng" w="9525">
+                      <a:solidFill>
+                        <a:srgbClr val="DFE2E5"/>
+                      </a:solidFill>
+                      <a:prstDash val="solid"/>
+                      <a:round/>
+                      <a:headEnd len="med" w="med" type="none"/>
+                      <a:tailEnd len="med" w="med" type="none"/>
+                    </a:lnR>
+                    <a:lnT cap="flat" cmpd="sng" w="9525">
+                      <a:solidFill>
+                        <a:srgbClr val="DFE2E5"/>
+                      </a:solidFill>
+                      <a:prstDash val="solid"/>
+                      <a:round/>
+                      <a:headEnd len="med" w="med" type="none"/>
+                      <a:tailEnd len="med" w="med" type="none"/>
+                    </a:lnT>
+                    <a:lnB cap="flat" cmpd="sng" w="9525">
+                      <a:solidFill>
+                        <a:srgbClr val="DFE2E5"/>
+                      </a:solidFill>
+                      <a:prstDash val="solid"/>
+                      <a:round/>
+                      <a:headEnd len="med" w="med" type="none"/>
+                      <a:tailEnd len="med" w="med" type="none"/>
+                    </a:lnB>
+                  </a:tcPr>
+                </a:tc>
+                <a:tc>
+                  <a:txBody>
+                    <a:bodyPr>
+                      <a:noAutofit/>
+                    </a:bodyPr>
+                    <a:lstStyle/>
+                    <a:p>
+                      <a:pPr lvl="0" rtl="0">
+                        <a:lnSpc>
+                          <a:spcPct val="115000"/>
+                        </a:lnSpc>
+                        <a:spcBef>
+                          <a:spcPts val="0"/>
+                        </a:spcBef>
+                        <a:spcAft>
+                          <a:spcPts val="1200"/>
+                        </a:spcAft>
+                        <a:buNone/>
+                      </a:pPr>
+                      <a:r>
+                        <a:rPr lang="en" sz="1200">
+                          <a:solidFill>
+                            <a:srgbClr val="24292E"/>
+                          </a:solidFill>
+                        </a:rPr>
+                        <a:t>12.85</a:t>
                       </a:r>
                     </a:p>
                   </a:txBody>
@@ -7055,7 +7055,7 @@
             <a:tbl>
               <a:tblPr>
                 <a:noFill/>
-                <a:tableStyleId>{D45C8611-0AC9-4516-A83C-45B21F4DA117}</a:tableStyleId>
+                <a:tableStyleId>{52AB2286-F600-41A3-9ED8-124FC8A1F454}</a:tableStyleId>
               </a:tblPr>
               <a:tblGrid>
                 <a:gridCol w="2276475"/>
@@ -7293,7 +7293,7 @@
                             <a:srgbClr val="24292E"/>
                           </a:solidFill>
                         </a:rPr>
-                        <a:t>12.85</a:t>
+                        <a:t>12.84</a:t>
                       </a:r>
                     </a:p>
                   </a:txBody>
@@ -7431,7 +7431,7 @@
                             <a:srgbClr val="24292E"/>
                           </a:solidFill>
                         </a:rPr>
-                        <a:t>12.71</a:t>
+                        <a:t>12.70</a:t>
                       </a:r>
                     </a:p>
                   </a:txBody>
@@ -7569,7 +7569,7 @@
                             <a:srgbClr val="24292E"/>
                           </a:solidFill>
                         </a:rPr>
-                        <a:t>12.70</a:t>
+                        <a:t>12.67</a:t>
                       </a:r>
                     </a:p>
                   </a:txBody>
@@ -7707,7 +7707,7 @@
                             <a:srgbClr val="24292E"/>
                           </a:solidFill>
                         </a:rPr>
-                        <a:t>12.69</a:t>
+                        <a:t>12.66</a:t>
                       </a:r>
                     </a:p>
                   </a:txBody>
@@ -7933,7 +7933,7 @@
           <a:blip r:embed="rId3">
             <a:alphaModFix/>
           </a:blip>
-          <a:srcRect b="0" l="3900" r="3891" t="0"/>
+          <a:srcRect b="2651" l="0" r="0" t="2642"/>
           <a:stretch/>
         </p:blipFill>
         <p:spPr>
@@ -8510,7 +8510,7 @@
               <a:avLst/>
             </a:prstGeom>
             <a:solidFill>
-              <a:schemeClr val="accent2"/>
+              <a:srgbClr val="6AA84F"/>
             </a:solidFill>
             <a:ln>
               <a:noFill/>
@@ -8550,7 +8550,7 @@
               <a:avLst/>
             </a:prstGeom>
             <a:solidFill>
-              <a:schemeClr val="accent2"/>
+              <a:srgbClr val="6AA84F"/>
             </a:solidFill>
             <a:ln cap="flat" cmpd="sng" w="9525">
               <a:solidFill>
@@ -8599,7 +8599,7 @@
             <a:avLst/>
           </a:prstGeom>
           <a:solidFill>
-            <a:schemeClr val="accent2"/>
+            <a:srgbClr val="6AA84F"/>
           </a:solidFill>
         </p:spPr>
         <p:txBody>
@@ -8717,7 +8717,7 @@
               <a:avLst/>
             </a:prstGeom>
             <a:solidFill>
-              <a:schemeClr val="accent2"/>
+              <a:srgbClr val="6AA84F"/>
             </a:solidFill>
             <a:ln>
               <a:noFill/>
@@ -8757,7 +8757,7 @@
               <a:avLst/>
             </a:prstGeom>
             <a:solidFill>
-              <a:schemeClr val="accent2"/>
+              <a:srgbClr val="6AA84F"/>
             </a:solidFill>
             <a:ln cap="flat" cmpd="sng" w="9525">
               <a:solidFill>
@@ -8806,7 +8806,7 @@
             <a:avLst/>
           </a:prstGeom>
           <a:solidFill>
-            <a:schemeClr val="accent2"/>
+            <a:srgbClr val="6AA84F"/>
           </a:solidFill>
           <a:ln cap="flat" cmpd="sng" w="9525">
             <a:solidFill>
@@ -8924,7 +8924,7 @@
               <a:avLst/>
             </a:prstGeom>
             <a:solidFill>
-              <a:schemeClr val="accent2"/>
+              <a:srgbClr val="6AA84F"/>
             </a:solidFill>
             <a:ln cap="flat" cmpd="sng" w="9525">
               <a:solidFill>
@@ -8970,7 +8970,7 @@
               <a:avLst/>
             </a:prstGeom>
             <a:solidFill>
-              <a:schemeClr val="accent2"/>
+              <a:srgbClr val="6AA84F"/>
             </a:solidFill>
             <a:ln cap="flat" cmpd="sng" w="9525">
               <a:solidFill>
@@ -9019,7 +9019,7 @@
             <a:avLst/>
           </a:prstGeom>
           <a:solidFill>
-            <a:schemeClr val="accent2"/>
+            <a:srgbClr val="6AA84F"/>
           </a:solidFill>
         </p:spPr>
         <p:txBody>
@@ -9318,7 +9318,7 @@
               </a:spcBef>
               <a:buSzPct val="100000"/>
               <a:buFont typeface="Roboto"/>
-              <a:buChar char="-"/>
+              <a:buChar char="●"/>
             </a:pPr>
             <a:r>
               <a:rPr lang="en" sz="1600">
@@ -9337,7 +9337,7 @@
               </a:spcBef>
               <a:buSzPct val="100000"/>
               <a:buFont typeface="Roboto"/>
-              <a:buChar char="-"/>
+              <a:buChar char="●"/>
             </a:pPr>
             <a:r>
               <a:rPr lang="en" sz="1600">
@@ -9356,7 +9356,7 @@
               </a:spcBef>
               <a:buSzPct val="100000"/>
               <a:buFont typeface="Roboto"/>
-              <a:buChar char="-"/>
+              <a:buChar char="●"/>
             </a:pPr>
             <a:r>
               <a:rPr lang="en" sz="1600">
@@ -9375,7 +9375,7 @@
               </a:spcBef>
               <a:buSzPct val="100000"/>
               <a:buFont typeface="Roboto"/>
-              <a:buChar char="-"/>
+              <a:buChar char="○"/>
             </a:pPr>
             <a:r>
               <a:rPr lang="en" sz="1600">
@@ -9394,7 +9394,7 @@
               </a:spcBef>
               <a:buSzPct val="100000"/>
               <a:buFont typeface="Roboto"/>
-              <a:buChar char="-"/>
+              <a:buChar char="○"/>
             </a:pPr>
             <a:r>
               <a:rPr lang="en" sz="1600">
@@ -9413,7 +9413,7 @@
               </a:spcBef>
               <a:buSzPct val="100000"/>
               <a:buFont typeface="Roboto"/>
-              <a:buChar char="-"/>
+              <a:buChar char="○"/>
             </a:pPr>
             <a:r>
               <a:rPr lang="en" sz="1600">
@@ -9432,7 +9432,7 @@
               </a:spcBef>
               <a:buSzPct val="100000"/>
               <a:buFont typeface="Roboto"/>
-              <a:buChar char="-"/>
+              <a:buChar char="○"/>
             </a:pPr>
             <a:r>
               <a:rPr lang="en" sz="1600">
@@ -9451,7 +9451,7 @@
               </a:spcBef>
               <a:buSzPct val="100000"/>
               <a:buFont typeface="Roboto"/>
-              <a:buChar char="-"/>
+              <a:buChar char="●"/>
             </a:pPr>
             <a:r>
               <a:rPr lang="en" sz="1600">
@@ -9470,7 +9470,7 @@
               </a:spcBef>
               <a:buSzPct val="100000"/>
               <a:buFont typeface="Roboto"/>
-              <a:buChar char="-"/>
+              <a:buChar char="○"/>
             </a:pPr>
             <a:r>
               <a:rPr lang="en" sz="1600">
@@ -9489,7 +9489,7 @@
               </a:spcBef>
               <a:buSzPct val="100000"/>
               <a:buFont typeface="Roboto"/>
-              <a:buChar char="-"/>
+              <a:buChar char="○"/>
             </a:pPr>
             <a:r>
               <a:rPr lang="en" sz="1600">
@@ -9508,7 +9508,7 @@
               </a:spcBef>
               <a:buSzPct val="100000"/>
               <a:buFont typeface="Roboto"/>
-              <a:buChar char="-"/>
+              <a:buChar char="○"/>
             </a:pPr>
             <a:r>
               <a:rPr lang="en" sz="1600">
@@ -9527,7 +9527,7 @@
               </a:spcBef>
               <a:buSzPct val="100000"/>
               <a:buFont typeface="Roboto"/>
-              <a:buChar char="-"/>
+              <a:buChar char="○"/>
             </a:pPr>
             <a:r>
               <a:rPr lang="en" sz="1600">
@@ -9540,7 +9540,7 @@
             </a:r>
           </a:p>
           <a:p>
-            <a:pPr indent="0" lvl="0" marL="0" rtl="0">
+            <a:pPr indent="0" lvl="0" marL="457200" rtl="0">
               <a:spcBef>
                 <a:spcPts val="0"/>
               </a:spcBef>
@@ -9641,7 +9641,7 @@
         </p:nvSpPr>
         <p:spPr>
           <a:xfrm>
-            <a:off x="6032175" y="993400"/>
+            <a:off x="4883250" y="796200"/>
             <a:ext cx="2956200" cy="678300"/>
           </a:xfrm>
           <a:prstGeom prst="rect">
@@ -9684,7 +9684,7 @@
         </p:nvSpPr>
         <p:spPr>
           <a:xfrm>
-            <a:off x="1914975" y="1921175"/>
+            <a:off x="2142325" y="2300825"/>
             <a:ext cx="2034600" cy="777900"/>
           </a:xfrm>
           <a:prstGeom prst="rect">
@@ -9738,7 +9738,7 @@
         </p:nvSpPr>
         <p:spPr>
           <a:xfrm>
-            <a:off x="4176925" y="3040025"/>
+            <a:off x="4045450" y="3419700"/>
             <a:ext cx="2322000" cy="765900"/>
           </a:xfrm>
           <a:prstGeom prst="rect">
@@ -9876,7 +9876,7 @@
         </p:nvSpPr>
         <p:spPr>
           <a:xfrm>
-            <a:off x="981425" y="3315125"/>
+            <a:off x="1570875" y="3879375"/>
             <a:ext cx="1543800" cy="885900"/>
           </a:xfrm>
           <a:prstGeom prst="rect">
@@ -9936,7 +9936,7 @@
         </p:nvSpPr>
         <p:spPr>
           <a:xfrm>
-            <a:off x="3327275" y="993400"/>
+            <a:off x="4045450" y="1782562"/>
             <a:ext cx="2034600" cy="407400"/>
           </a:xfrm>
           <a:prstGeom prst="rect">
@@ -10022,8 +10022,8 @@
         </p:nvCxnSpPr>
         <p:spPr>
           <a:xfrm flipH="1" rot="-5400000">
-            <a:off x="275" y="2154575"/>
-            <a:ext cx="1950300" cy="442800"/>
+            <a:off x="91000" y="2197200"/>
+            <a:ext cx="2349300" cy="903900"/>
           </a:xfrm>
           <a:prstGeom prst="bentConnector3">
             <a:avLst>
@@ -10045,74 +10045,13 @@
       <p:cxnSp>
         <p:nvCxnSpPr>
           <p:cNvPr id="115" name="Shape 115"/>
-          <p:cNvCxnSpPr>
-            <a:stCxn id="108" idx="2"/>
-            <a:endCxn id="111" idx="0"/>
-          </p:cNvCxnSpPr>
+          <p:cNvCxnSpPr/>
           <p:nvPr/>
         </p:nvCxnSpPr>
         <p:spPr>
           <a:xfrm rot="5400000">
-            <a:off x="2034675" y="2417675"/>
-            <a:ext cx="616200" cy="1179000"/>
-          </a:xfrm>
-          <a:prstGeom prst="bentConnector3">
-            <a:avLst>
-              <a:gd fmla="val 49988" name="adj1"/>
-            </a:avLst>
-          </a:prstGeom>
-          <a:noFill/>
-          <a:ln cap="flat" cmpd="sng" w="9525">
-            <a:solidFill>
-              <a:schemeClr val="dk2"/>
-            </a:solidFill>
-            <a:prstDash val="solid"/>
-            <a:round/>
-            <a:headEnd len="lg" w="lg" type="oval"/>
-            <a:tailEnd len="lg" w="lg" type="triangle"/>
-          </a:ln>
-        </p:spPr>
-      </p:cxnSp>
-      <p:cxnSp>
-        <p:nvCxnSpPr>
-          <p:cNvPr id="116" name="Shape 116"/>
-          <p:cNvCxnSpPr>
-            <a:endCxn id="108" idx="0"/>
-          </p:cNvCxnSpPr>
-          <p:nvPr/>
-        </p:nvCxnSpPr>
-        <p:spPr>
-          <a:xfrm flipH="1">
-            <a:off x="2932275" y="1460075"/>
-            <a:ext cx="562500" cy="461100"/>
-          </a:xfrm>
-          <a:prstGeom prst="bentConnector2">
-            <a:avLst/>
-          </a:prstGeom>
-          <a:noFill/>
-          <a:ln cap="flat" cmpd="sng" w="9525">
-            <a:solidFill>
-              <a:schemeClr val="dk2"/>
-            </a:solidFill>
-            <a:prstDash val="solid"/>
-            <a:round/>
-            <a:headEnd len="lg" w="lg" type="oval"/>
-            <a:tailEnd len="lg" w="lg" type="triangle"/>
-          </a:ln>
-        </p:spPr>
-      </p:cxnSp>
-      <p:cxnSp>
-        <p:nvCxnSpPr>
-          <p:cNvPr id="117" name="Shape 117"/>
-          <p:cNvCxnSpPr>
-            <a:stCxn id="112" idx="2"/>
-          </p:cNvCxnSpPr>
-          <p:nvPr/>
-        </p:nvCxnSpPr>
-        <p:spPr>
-          <a:xfrm flipH="1" rot="-5400000">
-            <a:off x="3728525" y="2016850"/>
-            <a:ext cx="1519500" cy="287400"/>
+            <a:off x="2059400" y="3238750"/>
+            <a:ext cx="921000" cy="719100"/>
           </a:xfrm>
           <a:prstGeom prst="bentConnector3">
             <a:avLst>
@@ -10133,14 +10072,101 @@
       </p:cxnSp>
       <p:cxnSp>
         <p:nvCxnSpPr>
+          <p:cNvPr id="116" name="Shape 116"/>
+          <p:cNvCxnSpPr/>
+          <p:nvPr/>
+        </p:nvCxnSpPr>
+        <p:spPr>
+          <a:xfrm flipH="1">
+            <a:off x="2779050" y="993400"/>
+            <a:ext cx="2104200" cy="1248300"/>
+          </a:xfrm>
+          <a:prstGeom prst="bentConnector3">
+            <a:avLst>
+              <a:gd fmla="val 99993" name="adj1"/>
+            </a:avLst>
+          </a:prstGeom>
+          <a:noFill/>
+          <a:ln cap="flat" cmpd="sng" w="9525">
+            <a:solidFill>
+              <a:schemeClr val="dk2"/>
+            </a:solidFill>
+            <a:prstDash val="solid"/>
+            <a:round/>
+            <a:headEnd len="lg" w="lg" type="oval"/>
+            <a:tailEnd len="lg" w="lg" type="triangle"/>
+          </a:ln>
+        </p:spPr>
+      </p:cxnSp>
+      <p:cxnSp>
+        <p:nvCxnSpPr>
+          <p:cNvPr id="117" name="Shape 117"/>
+          <p:cNvCxnSpPr>
+            <a:stCxn id="112" idx="2"/>
+            <a:endCxn id="109" idx="0"/>
+          </p:cNvCxnSpPr>
+          <p:nvPr/>
+        </p:nvCxnSpPr>
+        <p:spPr>
+          <a:xfrm flipH="1" rot="-5400000">
+            <a:off x="4519750" y="2732962"/>
+            <a:ext cx="1229700" cy="143700"/>
+          </a:xfrm>
+          <a:prstGeom prst="bentConnector3">
+            <a:avLst>
+              <a:gd fmla="val 50002" name="adj1"/>
+            </a:avLst>
+          </a:prstGeom>
+          <a:noFill/>
+          <a:ln cap="flat" cmpd="sng" w="9525">
+            <a:solidFill>
+              <a:schemeClr val="dk2"/>
+            </a:solidFill>
+            <a:prstDash val="solid"/>
+            <a:round/>
+            <a:headEnd len="lg" w="lg" type="oval"/>
+            <a:tailEnd len="lg" w="lg" type="triangle"/>
+          </a:ln>
+        </p:spPr>
+      </p:cxnSp>
+      <p:cxnSp>
+        <p:nvCxnSpPr>
           <p:cNvPr id="118" name="Shape 118"/>
           <p:cNvCxnSpPr/>
           <p:nvPr/>
         </p:nvCxnSpPr>
         <p:spPr>
+          <a:xfrm flipH="1" rot="-5400000">
+            <a:off x="5618050" y="2499450"/>
+            <a:ext cx="2596500" cy="2100"/>
+          </a:xfrm>
+          <a:prstGeom prst="bentConnector3">
+            <a:avLst>
+              <a:gd fmla="val 49437" name="adj1"/>
+            </a:avLst>
+          </a:prstGeom>
+          <a:noFill/>
+          <a:ln cap="flat" cmpd="sng" w="9525">
+            <a:solidFill>
+              <a:schemeClr val="dk2"/>
+            </a:solidFill>
+            <a:prstDash val="solid"/>
+            <a:round/>
+            <a:headEnd len="lg" w="lg" type="oval"/>
+            <a:tailEnd len="lg" w="lg" type="triangle"/>
+          </a:ln>
+        </p:spPr>
+      </p:cxnSp>
+      <p:cxnSp>
+        <p:nvCxnSpPr>
+          <p:cNvPr id="119" name="Shape 119"/>
+          <p:cNvCxnSpPr/>
+          <p:nvPr/>
+        </p:nvCxnSpPr>
+        <p:spPr>
           <a:xfrm rot="5400000">
-            <a:off x="6666450" y="2740875"/>
-            <a:ext cx="2453700" cy="107700"/>
+            <a:off x="4867750" y="2174050"/>
+            <a:ext cx="2106300" cy="343500"/>
           </a:xfrm>
           <a:prstGeom prst="bentConnector3">
             <a:avLst>
@@ -10161,46 +10187,20 @@
       </p:cxnSp>
       <p:cxnSp>
         <p:nvCxnSpPr>
-          <p:cNvPr id="119" name="Shape 119"/>
-          <p:cNvCxnSpPr/>
+          <p:cNvPr id="120" name="Shape 120"/>
+          <p:cNvCxnSpPr>
+            <a:endCxn id="108" idx="3"/>
+          </p:cNvCxnSpPr>
           <p:nvPr/>
         </p:nvCxnSpPr>
         <p:spPr>
-          <a:xfrm rot="5400000">
-            <a:off x="5930400" y="1777225"/>
-            <a:ext cx="1340400" cy="1089300"/>
+          <a:xfrm flipH="1">
+            <a:off x="4176925" y="2294075"/>
+            <a:ext cx="414000" cy="395700"/>
           </a:xfrm>
           <a:prstGeom prst="bentConnector3">
             <a:avLst>
-              <a:gd fmla="val 50000" name="adj1"/>
-            </a:avLst>
-          </a:prstGeom>
-          <a:noFill/>
-          <a:ln cap="flat" cmpd="sng" w="9525">
-            <a:solidFill>
-              <a:schemeClr val="dk2"/>
-            </a:solidFill>
-            <a:prstDash val="solid"/>
-            <a:round/>
-            <a:headEnd len="lg" w="lg" type="oval"/>
-            <a:tailEnd len="lg" w="lg" type="triangle"/>
-          </a:ln>
-        </p:spPr>
-      </p:cxnSp>
-      <p:cxnSp>
-        <p:nvCxnSpPr>
-          <p:cNvPr id="120" name="Shape 120"/>
-          <p:cNvCxnSpPr/>
-          <p:nvPr/>
-        </p:nvCxnSpPr>
-        <p:spPr>
-          <a:xfrm flipH="1">
-            <a:off x="4045450" y="1555925"/>
-            <a:ext cx="2142300" cy="502800"/>
-          </a:xfrm>
-          <a:prstGeom prst="bentConnector3">
-            <a:avLst>
-              <a:gd fmla="val 50000" name="adj1"/>
+              <a:gd fmla="val -284" name="adj1"/>
             </a:avLst>
           </a:prstGeom>
           <a:noFill/>
@@ -10761,7 +10761,7 @@
             </a:pPr>
             <a:r>
               <a:rPr lang="en" sz="1600"/>
-              <a:t>Lasso (LARS)</a:t>
+              <a:t>Lasso</a:t>
             </a:r>
           </a:p>
           <a:p>
@@ -10939,7 +10939,7 @@
         </p:nvSpPr>
         <p:spPr>
           <a:xfrm>
-            <a:off x="6122550" y="1307950"/>
+            <a:off x="5959825" y="1246350"/>
             <a:ext cx="2471700" cy="2650800"/>
           </a:xfrm>
           <a:prstGeom prst="rect">
